--- a/slides/Azure Functions Overview.pptx
+++ b/slides/Azure Functions Overview.pptx
@@ -1634,7 +1634,7 @@
   <p:cSld>
     <p:spTree>
       <p:nvGrpSpPr>
-        <p:cNvPr id="124" name="Shape 124"/>
+        <p:cNvPr id="125" name="Shape 125"/>
         <p:cNvGrpSpPr/>
         <p:nvPr/>
       </p:nvGrpSpPr>
@@ -1648,7 +1648,7 @@
       </p:grpSpPr>
       <p:sp>
         <p:nvSpPr>
-          <p:cNvPr id="125" name="Google Shape;125;g2baac4b70d7_0_6:notes"/>
+          <p:cNvPr id="126" name="Google Shape;126;g2baac4b70d7_0_6:notes"/>
           <p:cNvSpPr txBox="1"/>
           <p:nvPr>
             <p:ph idx="1" type="body"/>
@@ -1687,7 +1687,7 @@
       </p:sp>
       <p:sp>
         <p:nvSpPr>
-          <p:cNvPr id="126" name="Google Shape;126;g2baac4b70d7_0_6:notes"/>
+          <p:cNvPr id="127" name="Google Shape;127;g2baac4b70d7_0_6:notes"/>
           <p:cNvSpPr/>
           <p:nvPr>
             <p:ph idx="2" type="sldImg"/>
@@ -1733,7 +1733,7 @@
   <p:cSld>
     <p:spTree>
       <p:nvGrpSpPr>
-        <p:cNvPr id="131" name="Shape 131"/>
+        <p:cNvPr id="132" name="Shape 132"/>
         <p:cNvGrpSpPr/>
         <p:nvPr/>
       </p:nvGrpSpPr>
@@ -1747,7 +1747,7 @@
       </p:grpSpPr>
       <p:sp>
         <p:nvSpPr>
-          <p:cNvPr id="132" name="Google Shape;132;g2bd61f01634_0_6:notes"/>
+          <p:cNvPr id="133" name="Google Shape;133;g2bd61f01634_0_6:notes"/>
           <p:cNvSpPr txBox="1"/>
           <p:nvPr>
             <p:ph idx="1" type="body"/>
@@ -1786,7 +1786,7 @@
       </p:sp>
       <p:sp>
         <p:nvSpPr>
-          <p:cNvPr id="133" name="Google Shape;133;g2bd61f01634_0_6:notes"/>
+          <p:cNvPr id="134" name="Google Shape;134;g2bd61f01634_0_6:notes"/>
           <p:cNvSpPr/>
           <p:nvPr>
             <p:ph idx="2" type="sldImg"/>
@@ -1832,7 +1832,7 @@
   <p:cSld>
     <p:spTree>
       <p:nvGrpSpPr>
-        <p:cNvPr id="138" name="Shape 138"/>
+        <p:cNvPr id="139" name="Shape 139"/>
         <p:cNvGrpSpPr/>
         <p:nvPr/>
       </p:nvGrpSpPr>
@@ -1846,7 +1846,7 @@
       </p:grpSpPr>
       <p:sp>
         <p:nvSpPr>
-          <p:cNvPr id="139" name="Google Shape;139;g2bd61f01634_0_0:notes"/>
+          <p:cNvPr id="140" name="Google Shape;140;g2bd61f01634_0_0:notes"/>
           <p:cNvSpPr txBox="1"/>
           <p:nvPr>
             <p:ph idx="1" type="body"/>
@@ -1885,7 +1885,7 @@
       </p:sp>
       <p:sp>
         <p:nvSpPr>
-          <p:cNvPr id="140" name="Google Shape;140;g2bd61f01634_0_0:notes"/>
+          <p:cNvPr id="141" name="Google Shape;141;g2bd61f01634_0_0:notes"/>
           <p:cNvSpPr/>
           <p:nvPr>
             <p:ph idx="2" type="sldImg"/>
@@ -1931,7 +1931,7 @@
   <p:cSld>
     <p:spTree>
       <p:nvGrpSpPr>
-        <p:cNvPr id="145" name="Shape 145"/>
+        <p:cNvPr id="146" name="Shape 146"/>
         <p:cNvGrpSpPr/>
         <p:nvPr/>
       </p:nvGrpSpPr>
@@ -1945,7 +1945,7 @@
       </p:grpSpPr>
       <p:sp>
         <p:nvSpPr>
-          <p:cNvPr id="146" name="Google Shape;146;g2bd9027a284_1_0:notes"/>
+          <p:cNvPr id="147" name="Google Shape;147;g2bd9027a284_1_0:notes"/>
           <p:cNvSpPr/>
           <p:nvPr>
             <p:ph idx="2" type="sldImg"/>
@@ -1990,7 +1990,7 @@
       </p:sp>
       <p:sp>
         <p:nvSpPr>
-          <p:cNvPr id="147" name="Google Shape;147;g2bd9027a284_1_0:notes"/>
+          <p:cNvPr id="148" name="Google Shape;148;g2bd9027a284_1_0:notes"/>
           <p:cNvSpPr txBox="1"/>
           <p:nvPr>
             <p:ph idx="1" type="body"/>
@@ -2033,7 +2033,7 @@
       </p:sp>
       <p:sp>
         <p:nvSpPr>
-          <p:cNvPr id="148" name="Google Shape;148;g2bd9027a284_1_0:notes"/>
+          <p:cNvPr id="149" name="Google Shape;149;g2bd9027a284_1_0:notes"/>
           <p:cNvSpPr txBox="1"/>
           <p:nvPr>
             <p:ph idx="12" type="sldNum"/>
@@ -2088,7 +2088,7 @@
   <p:cSld>
     <p:spTree>
       <p:nvGrpSpPr>
-        <p:cNvPr id="153" name="Shape 153"/>
+        <p:cNvPr id="154" name="Shape 154"/>
         <p:cNvGrpSpPr/>
         <p:nvPr/>
       </p:nvGrpSpPr>
@@ -2102,7 +2102,7 @@
       </p:grpSpPr>
       <p:sp>
         <p:nvSpPr>
-          <p:cNvPr id="154" name="Google Shape;154;g2bd9027a284_1_11:notes"/>
+          <p:cNvPr id="155" name="Google Shape;155;g2bd9027a284_1_11:notes"/>
           <p:cNvSpPr/>
           <p:nvPr>
             <p:ph idx="2" type="sldImg"/>
@@ -2147,7 +2147,7 @@
       </p:sp>
       <p:sp>
         <p:nvSpPr>
-          <p:cNvPr id="155" name="Google Shape;155;g2bd9027a284_1_11:notes"/>
+          <p:cNvPr id="156" name="Google Shape;156;g2bd9027a284_1_11:notes"/>
           <p:cNvSpPr txBox="1"/>
           <p:nvPr>
             <p:ph idx="1" type="body"/>
@@ -2190,7 +2190,7 @@
       </p:sp>
       <p:sp>
         <p:nvSpPr>
-          <p:cNvPr id="156" name="Google Shape;156;g2bd9027a284_1_11:notes"/>
+          <p:cNvPr id="157" name="Google Shape;157;g2bd9027a284_1_11:notes"/>
           <p:cNvSpPr txBox="1"/>
           <p:nvPr>
             <p:ph idx="12" type="sldNum"/>
@@ -2344,7 +2344,7 @@
   <p:cSld>
     <p:spTree>
       <p:nvGrpSpPr>
-        <p:cNvPr id="73" name="Shape 73"/>
+        <p:cNvPr id="74" name="Shape 74"/>
         <p:cNvGrpSpPr/>
         <p:nvPr/>
       </p:nvGrpSpPr>
@@ -2358,7 +2358,7 @@
       </p:grpSpPr>
       <p:sp>
         <p:nvSpPr>
-          <p:cNvPr id="74" name="Google Shape;74;g2bb7112dbea_0_6:notes"/>
+          <p:cNvPr id="75" name="Google Shape;75;g2bb7112dbea_0_6:notes"/>
           <p:cNvSpPr txBox="1"/>
           <p:nvPr>
             <p:ph idx="1" type="body"/>
@@ -2397,7 +2397,7 @@
       </p:sp>
       <p:sp>
         <p:nvSpPr>
-          <p:cNvPr id="75" name="Google Shape;75;g2bb7112dbea_0_6:notes"/>
+          <p:cNvPr id="76" name="Google Shape;76;g2bb7112dbea_0_6:notes"/>
           <p:cNvSpPr/>
           <p:nvPr>
             <p:ph idx="2" type="sldImg"/>
@@ -2443,7 +2443,7 @@
   <p:cSld>
     <p:spTree>
       <p:nvGrpSpPr>
-        <p:cNvPr id="80" name="Shape 80"/>
+        <p:cNvPr id="81" name="Shape 81"/>
         <p:cNvGrpSpPr/>
         <p:nvPr/>
       </p:nvGrpSpPr>
@@ -2457,7 +2457,7 @@
       </p:grpSpPr>
       <p:sp>
         <p:nvSpPr>
-          <p:cNvPr id="81" name="Google Shape;81;g2bd9027a284_0_2:notes"/>
+          <p:cNvPr id="82" name="Google Shape;82;g2bd9027a284_0_2:notes"/>
           <p:cNvSpPr txBox="1"/>
           <p:nvPr>
             <p:ph idx="1" type="body"/>
@@ -2496,7 +2496,7 @@
       </p:sp>
       <p:sp>
         <p:nvSpPr>
-          <p:cNvPr id="82" name="Google Shape;82;g2bd9027a284_0_2:notes"/>
+          <p:cNvPr id="83" name="Google Shape;83;g2bd9027a284_0_2:notes"/>
           <p:cNvSpPr/>
           <p:nvPr>
             <p:ph idx="2" type="sldImg"/>
@@ -2542,7 +2542,7 @@
   <p:cSld>
     <p:spTree>
       <p:nvGrpSpPr>
-        <p:cNvPr id="88" name="Shape 88"/>
+        <p:cNvPr id="89" name="Shape 89"/>
         <p:cNvGrpSpPr/>
         <p:nvPr/>
       </p:nvGrpSpPr>
@@ -2556,7 +2556,7 @@
       </p:grpSpPr>
       <p:sp>
         <p:nvSpPr>
-          <p:cNvPr id="89" name="Google Shape;89;g2bb7112dbea_0_19:notes"/>
+          <p:cNvPr id="90" name="Google Shape;90;g2bb7112dbea_0_19:notes"/>
           <p:cNvSpPr txBox="1"/>
           <p:nvPr>
             <p:ph idx="1" type="body"/>
@@ -2595,7 +2595,7 @@
       </p:sp>
       <p:sp>
         <p:nvSpPr>
-          <p:cNvPr id="90" name="Google Shape;90;g2bb7112dbea_0_19:notes"/>
+          <p:cNvPr id="91" name="Google Shape;91;g2bb7112dbea_0_19:notes"/>
           <p:cNvSpPr/>
           <p:nvPr>
             <p:ph idx="2" type="sldImg"/>
@@ -2641,7 +2641,7 @@
   <p:cSld>
     <p:spTree>
       <p:nvGrpSpPr>
-        <p:cNvPr id="95" name="Shape 95"/>
+        <p:cNvPr id="96" name="Shape 96"/>
         <p:cNvGrpSpPr/>
         <p:nvPr/>
       </p:nvGrpSpPr>
@@ -2655,7 +2655,7 @@
       </p:grpSpPr>
       <p:sp>
         <p:nvSpPr>
-          <p:cNvPr id="96" name="Google Shape;96;g2baac4b70d7_0_0:notes"/>
+          <p:cNvPr id="97" name="Google Shape;97;g2baac4b70d7_0_0:notes"/>
           <p:cNvSpPr txBox="1"/>
           <p:nvPr>
             <p:ph idx="1" type="body"/>
@@ -2694,7 +2694,7 @@
       </p:sp>
       <p:sp>
         <p:nvSpPr>
-          <p:cNvPr id="97" name="Google Shape;97;g2baac4b70d7_0_0:notes"/>
+          <p:cNvPr id="98" name="Google Shape;98;g2baac4b70d7_0_0:notes"/>
           <p:cNvSpPr/>
           <p:nvPr>
             <p:ph idx="2" type="sldImg"/>
@@ -2740,7 +2740,7 @@
   <p:cSld>
     <p:spTree>
       <p:nvGrpSpPr>
-        <p:cNvPr id="102" name="Shape 102"/>
+        <p:cNvPr id="103" name="Shape 103"/>
         <p:cNvGrpSpPr/>
         <p:nvPr/>
       </p:nvGrpSpPr>
@@ -2754,7 +2754,7 @@
       </p:grpSpPr>
       <p:sp>
         <p:nvSpPr>
-          <p:cNvPr id="103" name="Google Shape;103;g2bb7112dbea_0_26:notes"/>
+          <p:cNvPr id="104" name="Google Shape;104;g2bb7112dbea_0_26:notes"/>
           <p:cNvSpPr txBox="1"/>
           <p:nvPr>
             <p:ph idx="1" type="body"/>
@@ -2793,7 +2793,7 @@
       </p:sp>
       <p:sp>
         <p:nvSpPr>
-          <p:cNvPr id="104" name="Google Shape;104;g2bb7112dbea_0_26:notes"/>
+          <p:cNvPr id="105" name="Google Shape;105;g2bb7112dbea_0_26:notes"/>
           <p:cNvSpPr/>
           <p:nvPr>
             <p:ph idx="2" type="sldImg"/>
@@ -2839,7 +2839,7 @@
   <p:cSld>
     <p:spTree>
       <p:nvGrpSpPr>
-        <p:cNvPr id="109" name="Shape 109"/>
+        <p:cNvPr id="110" name="Shape 110"/>
         <p:cNvGrpSpPr/>
         <p:nvPr/>
       </p:nvGrpSpPr>
@@ -2853,7 +2853,7 @@
       </p:grpSpPr>
       <p:sp>
         <p:nvSpPr>
-          <p:cNvPr id="110" name="Google Shape;110;g2bb0e3e874d_0_1:notes"/>
+          <p:cNvPr id="111" name="Google Shape;111;g2bb0e3e874d_0_1:notes"/>
           <p:cNvSpPr txBox="1"/>
           <p:nvPr>
             <p:ph idx="1" type="body"/>
@@ -2892,7 +2892,7 @@
       </p:sp>
       <p:sp>
         <p:nvSpPr>
-          <p:cNvPr id="111" name="Google Shape;111;g2bb0e3e874d_0_1:notes"/>
+          <p:cNvPr id="112" name="Google Shape;112;g2bb0e3e874d_0_1:notes"/>
           <p:cNvSpPr/>
           <p:nvPr>
             <p:ph idx="2" type="sldImg"/>
@@ -2938,7 +2938,7 @@
   <p:cSld>
     <p:spTree>
       <p:nvGrpSpPr>
-        <p:cNvPr id="116" name="Shape 116"/>
+        <p:cNvPr id="117" name="Shape 117"/>
         <p:cNvGrpSpPr/>
         <p:nvPr/>
       </p:nvGrpSpPr>
@@ -2952,7 +2952,7 @@
       </p:grpSpPr>
       <p:sp>
         <p:nvSpPr>
-          <p:cNvPr id="117" name="Google Shape;117;p3:notes"/>
+          <p:cNvPr id="118" name="Google Shape;118;p3:notes"/>
           <p:cNvSpPr/>
           <p:nvPr>
             <p:ph idx="2" type="sldImg"/>
@@ -2997,7 +2997,7 @@
       </p:sp>
       <p:sp>
         <p:nvSpPr>
-          <p:cNvPr id="118" name="Google Shape;118;p3:notes"/>
+          <p:cNvPr id="119" name="Google Shape;119;p3:notes"/>
           <p:cNvSpPr txBox="1"/>
           <p:nvPr>
             <p:ph idx="1" type="body"/>
@@ -3040,7 +3040,7 @@
       </p:sp>
       <p:sp>
         <p:nvSpPr>
-          <p:cNvPr id="119" name="Google Shape;119;p3:notes"/>
+          <p:cNvPr id="120" name="Google Shape;120;p3:notes"/>
           <p:cNvSpPr txBox="1"/>
           <p:nvPr>
             <p:ph idx="12" type="sldNum"/>
@@ -9344,7 +9344,7 @@
   <p:cSld>
     <p:spTree>
       <p:nvGrpSpPr>
-        <p:cNvPr id="127" name="Shape 127"/>
+        <p:cNvPr id="128" name="Shape 128"/>
         <p:cNvGrpSpPr/>
         <p:nvPr/>
       </p:nvGrpSpPr>
@@ -9358,7 +9358,7 @@
       </p:grpSpPr>
       <p:sp>
         <p:nvSpPr>
-          <p:cNvPr id="128" name="Google Shape;128;p20"/>
+          <p:cNvPr id="129" name="Google Shape;129;p20"/>
           <p:cNvSpPr txBox="1"/>
           <p:nvPr>
             <p:ph type="title"/>
@@ -9410,7 +9410,7 @@
       </p:sp>
       <p:sp>
         <p:nvSpPr>
-          <p:cNvPr id="129" name="Google Shape;129;p20"/>
+          <p:cNvPr id="130" name="Google Shape;130;p20"/>
           <p:cNvSpPr txBox="1"/>
           <p:nvPr>
             <p:ph idx="1" type="body"/>
@@ -9490,7 +9490,7 @@
             </a:pPr>
             <a:r>
               <a:rPr lang="en-US"/>
-              <a:t>Built on Durable Task Framework and Web Jobs SDK</a:t>
+              <a:t>Built on Durable Task Framework</a:t>
             </a:r>
             <a:endParaRPr/>
           </a:p>
@@ -9510,7 +9510,7 @@
             </a:pPr>
             <a:r>
               <a:rPr lang="en-US"/>
-              <a:t>Error Handling, Retries, Fan In/out, concepts baked in</a:t>
+              <a:t>Error Handling, Retries, Fan In/out concepts baked in</a:t>
             </a:r>
             <a:endParaRPr/>
           </a:p>
@@ -9518,7 +9518,7 @@
       </p:sp>
       <p:sp>
         <p:nvSpPr>
-          <p:cNvPr id="130" name="Google Shape;130;p20"/>
+          <p:cNvPr id="131" name="Google Shape;131;p20"/>
           <p:cNvSpPr txBox="1"/>
           <p:nvPr>
             <p:ph idx="11" type="ftr"/>
@@ -9573,7 +9573,7 @@
   <p:cSld>
     <p:spTree>
       <p:nvGrpSpPr>
-        <p:cNvPr id="134" name="Shape 134"/>
+        <p:cNvPr id="135" name="Shape 135"/>
         <p:cNvGrpSpPr/>
         <p:nvPr/>
       </p:nvGrpSpPr>
@@ -9587,7 +9587,7 @@
       </p:grpSpPr>
       <p:sp>
         <p:nvSpPr>
-          <p:cNvPr id="135" name="Google Shape;135;p21"/>
+          <p:cNvPr id="136" name="Google Shape;136;p21"/>
           <p:cNvSpPr txBox="1"/>
           <p:nvPr>
             <p:ph type="title"/>
@@ -9639,7 +9639,7 @@
       </p:sp>
       <p:sp>
         <p:nvSpPr>
-          <p:cNvPr id="136" name="Google Shape;136;p21"/>
+          <p:cNvPr id="137" name="Google Shape;137;p21"/>
           <p:cNvSpPr txBox="1"/>
           <p:nvPr>
             <p:ph idx="1" type="body"/>
@@ -9776,7 +9776,7 @@
       </p:sp>
       <p:sp>
         <p:nvSpPr>
-          <p:cNvPr id="137" name="Google Shape;137;p21"/>
+          <p:cNvPr id="138" name="Google Shape;138;p21"/>
           <p:cNvSpPr txBox="1"/>
           <p:nvPr>
             <p:ph idx="11" type="ftr"/>
@@ -9831,7 +9831,7 @@
   <p:cSld>
     <p:spTree>
       <p:nvGrpSpPr>
-        <p:cNvPr id="141" name="Shape 141"/>
+        <p:cNvPr id="142" name="Shape 142"/>
         <p:cNvGrpSpPr/>
         <p:nvPr/>
       </p:nvGrpSpPr>
@@ -9845,7 +9845,7 @@
       </p:grpSpPr>
       <p:sp>
         <p:nvSpPr>
-          <p:cNvPr id="142" name="Google Shape;142;p22"/>
+          <p:cNvPr id="143" name="Google Shape;143;p22"/>
           <p:cNvSpPr txBox="1"/>
           <p:nvPr>
             <p:ph type="title"/>
@@ -9897,7 +9897,7 @@
       </p:sp>
       <p:sp>
         <p:nvSpPr>
-          <p:cNvPr id="143" name="Google Shape;143;p22"/>
+          <p:cNvPr id="144" name="Google Shape;144;p22"/>
           <p:cNvSpPr txBox="1"/>
           <p:nvPr>
             <p:ph idx="1" type="body"/>
@@ -10058,7 +10058,7 @@
       </p:sp>
       <p:sp>
         <p:nvSpPr>
-          <p:cNvPr id="144" name="Google Shape;144;p22"/>
+          <p:cNvPr id="145" name="Google Shape;145;p22"/>
           <p:cNvSpPr txBox="1"/>
           <p:nvPr>
             <p:ph idx="11" type="ftr"/>
@@ -10113,7 +10113,7 @@
   <p:cSld>
     <p:spTree>
       <p:nvGrpSpPr>
-        <p:cNvPr id="149" name="Shape 149"/>
+        <p:cNvPr id="150" name="Shape 150"/>
         <p:cNvGrpSpPr/>
         <p:nvPr/>
       </p:nvGrpSpPr>
@@ -10127,7 +10127,7 @@
       </p:grpSpPr>
       <p:sp>
         <p:nvSpPr>
-          <p:cNvPr id="150" name="Google Shape;150;p23"/>
+          <p:cNvPr id="151" name="Google Shape;151;p23"/>
           <p:cNvSpPr txBox="1"/>
           <p:nvPr>
             <p:ph type="title"/>
@@ -10179,7 +10179,7 @@
       </p:sp>
       <p:sp>
         <p:nvSpPr>
-          <p:cNvPr id="151" name="Google Shape;151;p23"/>
+          <p:cNvPr id="152" name="Google Shape;152;p23"/>
           <p:cNvSpPr txBox="1"/>
           <p:nvPr>
             <p:ph idx="1" type="body"/>
@@ -10188,7 +10188,7 @@
         <p:spPr>
           <a:xfrm>
             <a:off x="838200" y="1825625"/>
-            <a:ext cx="10515600" cy="4351200"/>
+            <a:ext cx="10936500" cy="4351200"/>
           </a:xfrm>
           <a:prstGeom prst="rect">
             <a:avLst/>
@@ -10204,7 +10204,7 @@
           </a:bodyPr>
           <a:lstStyle/>
           <a:p>
-            <a:pPr indent="-228600" lvl="0" marL="228600" rtl="0" algn="l">
+            <a:pPr indent="-190500" lvl="0" marL="228600" rtl="0" algn="l">
               <a:lnSpc>
                 <a:spcPct val="90000"/>
               </a:lnSpc>
@@ -10217,14 +10217,60 @@
               <a:buClr>
                 <a:schemeClr val="dk1"/>
               </a:buClr>
-              <a:buSzPts val="3600"/>
+              <a:buSzPts val="3000"/>
               <a:buChar char="•"/>
             </a:pPr>
             <a:r>
-              <a:rPr lang="en-US" sz="3600"/>
-              <a:t> </a:t>
-            </a:r>
-            <a:endParaRPr/>
+              <a:rPr lang="en-US" sz="3000"/>
+              <a:t> Azure Functions are awesome!</a:t>
+            </a:r>
+            <a:endParaRPr sz="3000"/>
+          </a:p>
+          <a:p>
+            <a:pPr indent="-190500" lvl="0" marL="228600" rtl="0" algn="l">
+              <a:lnSpc>
+                <a:spcPct val="90000"/>
+              </a:lnSpc>
+              <a:spcBef>
+                <a:spcPts val="0"/>
+              </a:spcBef>
+              <a:spcAft>
+                <a:spcPts val="0"/>
+              </a:spcAft>
+              <a:buClr>
+                <a:schemeClr val="dk1"/>
+              </a:buClr>
+              <a:buSzPts val="3000"/>
+              <a:buChar char="•"/>
+            </a:pPr>
+            <a:r>
+              <a:rPr lang="en-US" sz="3000"/>
+              <a:t> Simple and manageable microservices when used correctly</a:t>
+            </a:r>
+            <a:endParaRPr sz="3000"/>
+          </a:p>
+          <a:p>
+            <a:pPr indent="-190500" lvl="0" marL="228600" rtl="0" algn="l">
+              <a:lnSpc>
+                <a:spcPct val="90000"/>
+              </a:lnSpc>
+              <a:spcBef>
+                <a:spcPts val="0"/>
+              </a:spcBef>
+              <a:spcAft>
+                <a:spcPts val="0"/>
+              </a:spcAft>
+              <a:buClr>
+                <a:schemeClr val="dk1"/>
+              </a:buClr>
+              <a:buSzPts val="3000"/>
+              <a:buChar char="•"/>
+            </a:pPr>
+            <a:r>
+              <a:rPr lang="en-US" sz="3000"/>
+              <a:t> Durable orchestrations allow for complex workflows and processes</a:t>
+            </a:r>
+            <a:endParaRPr sz="3000"/>
           </a:p>
           <a:p>
             <a:pPr indent="0" lvl="0" marL="228600" rtl="0" algn="l">
@@ -10246,13 +10292,13 @@
             <a:r>
               <a:t/>
             </a:r>
-            <a:endParaRPr sz="3600"/>
+            <a:endParaRPr sz="3000"/>
           </a:p>
         </p:txBody>
       </p:sp>
       <p:sp>
         <p:nvSpPr>
-          <p:cNvPr id="152" name="Google Shape;152;p23"/>
+          <p:cNvPr id="153" name="Google Shape;153;p23"/>
           <p:cNvSpPr txBox="1"/>
           <p:nvPr>
             <p:ph idx="11" type="ftr"/>
@@ -10311,7 +10357,7 @@
   <p:cSld>
     <p:spTree>
       <p:nvGrpSpPr>
-        <p:cNvPr id="157" name="Shape 157"/>
+        <p:cNvPr id="158" name="Shape 158"/>
         <p:cNvGrpSpPr/>
         <p:nvPr/>
       </p:nvGrpSpPr>
@@ -10325,7 +10371,7 @@
       </p:grpSpPr>
       <p:sp>
         <p:nvSpPr>
-          <p:cNvPr id="158" name="Google Shape;158;p24"/>
+          <p:cNvPr id="159" name="Google Shape;159;p24"/>
           <p:cNvSpPr txBox="1"/>
           <p:nvPr>
             <p:ph type="title"/>
@@ -10377,7 +10423,7 @@
       </p:sp>
       <p:sp>
         <p:nvSpPr>
-          <p:cNvPr id="159" name="Google Shape;159;p24"/>
+          <p:cNvPr id="160" name="Google Shape;160;p24"/>
           <p:cNvSpPr txBox="1"/>
           <p:nvPr>
             <p:ph idx="1" type="body"/>
@@ -10398,7 +10444,7 @@
         </p:spPr>
         <p:txBody>
           <a:bodyPr anchorCtr="0" anchor="t" bIns="45700" lIns="91425" spcFirstLastPara="1" rIns="91425" wrap="square" tIns="45700">
-            <a:normAutofit/>
+            <a:normAutofit lnSpcReduction="10000"/>
           </a:bodyPr>
           <a:lstStyle/>
           <a:p>
@@ -10415,54 +10461,118 @@
               <a:buNone/>
             </a:pPr>
             <a:r>
-              <a:t/>
-            </a:r>
-            <a:endParaRPr/>
-          </a:p>
-          <a:p>
-            <a:pPr indent="0" lvl="0" marL="0" rtl="0" algn="l">
-              <a:lnSpc>
-                <a:spcPct val="90000"/>
-              </a:lnSpc>
-              <a:spcBef>
-                <a:spcPts val="0"/>
-              </a:spcBef>
-              <a:spcAft>
-                <a:spcPts val="0"/>
-              </a:spcAft>
-              <a:buNone/>
-            </a:pPr>
-            <a:r>
               <a:rPr lang="en-US"/>
-              <a:t>Functional</a:t>
-            </a:r>
-            <a:r>
+              <a:t>Kubernetes!</a:t>
+            </a:r>
+            <a:br>
               <a:rPr lang="en-US"/>
-              <a:t> Testing</a:t>
-            </a:r>
-            <a:endParaRPr/>
-          </a:p>
-          <a:p>
-            <a:pPr indent="0" lvl="0" marL="0" rtl="0" algn="l">
-              <a:lnSpc>
-                <a:spcPct val="90000"/>
-              </a:lnSpc>
-              <a:spcBef>
-                <a:spcPts val="0"/>
-              </a:spcBef>
-              <a:spcAft>
-                <a:spcPts val="0"/>
-              </a:spcAft>
-              <a:buNone/>
-            </a:pPr>
-            <a:r>
-              <a:rPr lang="en-US" sz="3600" u="sng">
+            </a:br>
+            <a:r>
+              <a:rPr lang="en-US" u="sng">
                 <a:solidFill>
                   <a:schemeClr val="hlink"/>
                 </a:solidFill>
                 <a:hlinkClick r:id="rId3"/>
               </a:rPr>
+              <a:t>https://github.com/Azure/azure-functions-core-tools?tab=readme-ov-file#getting-started-on-kubernetes</a:t>
+            </a:r>
+            <a:endParaRPr/>
+          </a:p>
+          <a:p>
+            <a:pPr indent="0" lvl="0" marL="0" rtl="0" algn="l">
+              <a:lnSpc>
+                <a:spcPct val="90000"/>
+              </a:lnSpc>
+              <a:spcBef>
+                <a:spcPts val="0"/>
+              </a:spcBef>
+              <a:spcAft>
+                <a:spcPts val="0"/>
+              </a:spcAft>
+              <a:buNone/>
+            </a:pPr>
+            <a:r>
+              <a:t/>
+            </a:r>
+            <a:endParaRPr/>
+          </a:p>
+          <a:p>
+            <a:pPr indent="0" lvl="0" marL="0" rtl="0" algn="l">
+              <a:lnSpc>
+                <a:spcPct val="90000"/>
+              </a:lnSpc>
+              <a:spcBef>
+                <a:spcPts val="0"/>
+              </a:spcBef>
+              <a:spcAft>
+                <a:spcPts val="0"/>
+              </a:spcAft>
+              <a:buNone/>
+            </a:pPr>
+            <a:r>
+              <a:t/>
+            </a:r>
+            <a:endParaRPr/>
+          </a:p>
+          <a:p>
+            <a:pPr indent="0" lvl="0" marL="0" rtl="0" algn="l">
+              <a:lnSpc>
+                <a:spcPct val="90000"/>
+              </a:lnSpc>
+              <a:spcBef>
+                <a:spcPts val="0"/>
+              </a:spcBef>
+              <a:spcAft>
+                <a:spcPts val="0"/>
+              </a:spcAft>
+              <a:buNone/>
+            </a:pPr>
+            <a:r>
+              <a:rPr lang="en-US"/>
+              <a:t>Functional</a:t>
+            </a:r>
+            <a:r>
+              <a:rPr lang="en-US"/>
+              <a:t> Testing</a:t>
+            </a:r>
+            <a:endParaRPr/>
+          </a:p>
+          <a:p>
+            <a:pPr indent="0" lvl="0" marL="0" rtl="0" algn="l">
+              <a:lnSpc>
+                <a:spcPct val="90000"/>
+              </a:lnSpc>
+              <a:spcBef>
+                <a:spcPts val="0"/>
+              </a:spcBef>
+              <a:spcAft>
+                <a:spcPts val="0"/>
+              </a:spcAft>
+              <a:buNone/>
+            </a:pPr>
+            <a:r>
+              <a:rPr lang="en-US" sz="3600" u="sng">
+                <a:solidFill>
+                  <a:schemeClr val="hlink"/>
+                </a:solidFill>
+                <a:hlinkClick r:id="rId4"/>
+              </a:rPr>
               <a:t>https://github.com/KyleMcMaster/azure-function-functional-tests</a:t>
+            </a:r>
+            <a:br>
+              <a:rPr lang="en-US"/>
+            </a:br>
+            <a:br>
+              <a:rPr lang="en-US"/>
+            </a:br>
+            <a:r>
+              <a:rPr lang="en-US" sz="1400" u="sng">
+                <a:solidFill>
+                  <a:schemeClr val="hlink"/>
+                </a:solidFill>
+                <a:hlinkClick r:id="rId5"/>
+              </a:rPr>
+              <a:t>https://learn.microsoft.com/en-us/azure/azure-functions/durable/durable-functions-diagnostics?tabs=csharp-inproc</a:t>
             </a:r>
             <a:endParaRPr/>
           </a:p>
@@ -10492,7 +10602,7 @@
       </p:sp>
       <p:sp>
         <p:nvSpPr>
-          <p:cNvPr id="160" name="Google Shape;160;p24"/>
+          <p:cNvPr id="161" name="Google Shape;161;p24"/>
           <p:cNvSpPr txBox="1"/>
           <p:nvPr>
             <p:ph idx="11" type="ftr"/>
@@ -10625,8 +10735,8 @@
         </p:nvSpPr>
         <p:spPr>
           <a:xfrm>
-            <a:off x="838200" y="1825625"/>
-            <a:ext cx="10515600" cy="4351338"/>
+            <a:off x="638550" y="1825625"/>
+            <a:ext cx="11553600" cy="4351200"/>
           </a:xfrm>
           <a:prstGeom prst="rect">
             <a:avLst/>
@@ -10683,11 +10793,31 @@
             </a:pPr>
             <a:r>
               <a:rPr lang="en-US"/>
-              <a:t>S</a:t>
+              <a:t> S</a:t>
             </a:r>
             <a:r>
               <a:rPr lang="en-US"/>
               <a:t>upports functions, small pieces of code that do single things</a:t>
+            </a:r>
+            <a:endParaRPr/>
+          </a:p>
+          <a:p>
+            <a:pPr indent="-292100" lvl="0" marL="228600" rtl="0" algn="l">
+              <a:lnSpc>
+                <a:spcPct val="150000"/>
+              </a:lnSpc>
+              <a:spcBef>
+                <a:spcPts val="0"/>
+              </a:spcBef>
+              <a:spcAft>
+                <a:spcPts val="0"/>
+              </a:spcAft>
+              <a:buSzPts val="2800"/>
+              <a:buChar char="•"/>
+            </a:pPr>
+            <a:r>
+              <a:rPr lang="en-US"/>
+              <a:t>Develop simple deployables for technology-specific microservices</a:t>
             </a:r>
             <a:endParaRPr/>
           </a:p>
@@ -10710,7 +10840,7 @@
             </a:pPr>
             <a:r>
               <a:rPr lang="en-US"/>
-              <a:t>Develop simple deployables for technology-specific microservices</a:t>
+              <a:t>Programmable in many languages like C#, Python, TypeScript and more!</a:t>
             </a:r>
             <a:endParaRPr/>
           </a:p>
@@ -10760,6 +10890,34 @@
           </a:p>
         </p:txBody>
       </p:sp>
+      <p:pic>
+        <p:nvPicPr>
+          <p:cNvPr id="73" name="Google Shape;73;p12"/>
+          <p:cNvPicPr preferRelativeResize="0"/>
+          <p:nvPr/>
+        </p:nvPicPr>
+        <p:blipFill>
+          <a:blip r:embed="rId3">
+            <a:alphaModFix/>
+          </a:blip>
+          <a:stretch>
+            <a:fillRect/>
+          </a:stretch>
+        </p:blipFill>
+        <p:spPr>
+          <a:xfrm>
+            <a:off x="7734625" y="365121"/>
+            <a:ext cx="1365133" cy="1281125"/>
+          </a:xfrm>
+          <a:prstGeom prst="rect">
+            <a:avLst/>
+          </a:prstGeom>
+          <a:noFill/>
+          <a:ln>
+            <a:noFill/>
+          </a:ln>
+        </p:spPr>
+      </p:pic>
     </p:spTree>
   </p:cSld>
   <p:clrMapOvr>
@@ -10773,7 +10931,7 @@
   <p:cSld>
     <p:spTree>
       <p:nvGrpSpPr>
-        <p:cNvPr id="76" name="Shape 76"/>
+        <p:cNvPr id="77" name="Shape 77"/>
         <p:cNvGrpSpPr/>
         <p:nvPr/>
       </p:nvGrpSpPr>
@@ -10787,7 +10945,7 @@
       </p:grpSpPr>
       <p:sp>
         <p:nvSpPr>
-          <p:cNvPr id="77" name="Google Shape;77;p13"/>
+          <p:cNvPr id="78" name="Google Shape;78;p13"/>
           <p:cNvSpPr txBox="1"/>
           <p:nvPr>
             <p:ph type="title"/>
@@ -10843,7 +11001,7 @@
       </p:sp>
       <p:sp>
         <p:nvSpPr>
-          <p:cNvPr id="78" name="Google Shape;78;p13"/>
+          <p:cNvPr id="79" name="Google Shape;79;p13"/>
           <p:cNvSpPr txBox="1"/>
           <p:nvPr>
             <p:ph idx="1" type="body"/>
@@ -10883,7 +11041,7 @@
             </a:pPr>
             <a:r>
               <a:rPr lang="en-US"/>
-              <a:t>Timer Triggers</a:t>
+              <a:t>Timer triggers</a:t>
             </a:r>
             <a:endParaRPr/>
           </a:p>
@@ -10903,7 +11061,7 @@
             </a:pPr>
             <a:r>
               <a:rPr lang="en-US"/>
-              <a:t>HTTP Triggers</a:t>
+              <a:t>HTTP triggers</a:t>
             </a:r>
             <a:endParaRPr/>
           </a:p>
@@ -10923,7 +11081,7 @@
             </a:pPr>
             <a:r>
               <a:rPr lang="en-US"/>
-              <a:t>Cosmos DB Triggers</a:t>
+              <a:t>Cosmos DB triggers</a:t>
             </a:r>
             <a:endParaRPr/>
           </a:p>
@@ -10983,7 +11141,7 @@
             </a:pPr>
             <a:r>
               <a:rPr lang="en-US"/>
-              <a:t>Blob Storage Triggers</a:t>
+              <a:t>Blob Storage triggers</a:t>
             </a:r>
             <a:br>
               <a:rPr lang="en-US"/>
@@ -10994,7 +11152,7 @@
       </p:sp>
       <p:sp>
         <p:nvSpPr>
-          <p:cNvPr id="79" name="Google Shape;79;p13"/>
+          <p:cNvPr id="80" name="Google Shape;80;p13"/>
           <p:cNvSpPr txBox="1"/>
           <p:nvPr>
             <p:ph idx="11" type="ftr"/>
@@ -11049,7 +11207,7 @@
   <p:cSld>
     <p:spTree>
       <p:nvGrpSpPr>
-        <p:cNvPr id="83" name="Shape 83"/>
+        <p:cNvPr id="84" name="Shape 84"/>
         <p:cNvGrpSpPr/>
         <p:nvPr/>
       </p:nvGrpSpPr>
@@ -11063,7 +11221,7 @@
       </p:grpSpPr>
       <p:sp>
         <p:nvSpPr>
-          <p:cNvPr id="84" name="Google Shape;84;p14"/>
+          <p:cNvPr id="85" name="Google Shape;85;p14"/>
           <p:cNvSpPr txBox="1"/>
           <p:nvPr>
             <p:ph type="title"/>
@@ -11115,7 +11273,7 @@
       </p:sp>
       <p:sp>
         <p:nvSpPr>
-          <p:cNvPr id="85" name="Google Shape;85;p14"/>
+          <p:cNvPr id="86" name="Google Shape;86;p14"/>
           <p:cNvSpPr txBox="1"/>
           <p:nvPr>
             <p:ph idx="1" type="body"/>
@@ -11347,7 +11505,7 @@
       </p:sp>
       <p:sp>
         <p:nvSpPr>
-          <p:cNvPr id="86" name="Google Shape;86;p14"/>
+          <p:cNvPr id="87" name="Google Shape;87;p14"/>
           <p:cNvSpPr txBox="1"/>
           <p:nvPr>
             <p:ph idx="11" type="ftr"/>
@@ -11391,7 +11549,7 @@
       </p:sp>
       <p:pic>
         <p:nvPicPr>
-          <p:cNvPr id="87" name="Google Shape;87;p14"/>
+          <p:cNvPr id="88" name="Google Shape;88;p14"/>
           <p:cNvPicPr preferRelativeResize="0"/>
           <p:nvPr/>
         </p:nvPicPr>
@@ -11430,7 +11588,7 @@
   <p:cSld>
     <p:spTree>
       <p:nvGrpSpPr>
-        <p:cNvPr id="91" name="Shape 91"/>
+        <p:cNvPr id="92" name="Shape 92"/>
         <p:cNvGrpSpPr/>
         <p:nvPr/>
       </p:nvGrpSpPr>
@@ -11444,7 +11602,7 @@
       </p:grpSpPr>
       <p:sp>
         <p:nvSpPr>
-          <p:cNvPr id="92" name="Google Shape;92;p15"/>
+          <p:cNvPr id="93" name="Google Shape;93;p15"/>
           <p:cNvSpPr txBox="1"/>
           <p:nvPr>
             <p:ph type="title"/>
@@ -11496,7 +11654,7 @@
       </p:sp>
       <p:sp>
         <p:nvSpPr>
-          <p:cNvPr id="93" name="Google Shape;93;p15"/>
+          <p:cNvPr id="94" name="Google Shape;94;p15"/>
           <p:cNvSpPr txBox="1"/>
           <p:nvPr>
             <p:ph idx="1" type="body"/>
@@ -11536,7 +11694,7 @@
             </a:pPr>
             <a:r>
               <a:rPr lang="en-US"/>
-              <a:t>Respond to HTTP Requests</a:t>
+              <a:t>Respond to HTTP requests</a:t>
             </a:r>
             <a:endParaRPr/>
           </a:p>
@@ -11627,7 +11785,7 @@
       </p:sp>
       <p:sp>
         <p:nvSpPr>
-          <p:cNvPr id="94" name="Google Shape;94;p15"/>
+          <p:cNvPr id="95" name="Google Shape;95;p15"/>
           <p:cNvSpPr txBox="1"/>
           <p:nvPr>
             <p:ph idx="11" type="ftr"/>
@@ -11682,7 +11840,7 @@
   <p:cSld>
     <p:spTree>
       <p:nvGrpSpPr>
-        <p:cNvPr id="98" name="Shape 98"/>
+        <p:cNvPr id="99" name="Shape 99"/>
         <p:cNvGrpSpPr/>
         <p:nvPr/>
       </p:nvGrpSpPr>
@@ -11696,7 +11854,7 @@
       </p:grpSpPr>
       <p:sp>
         <p:nvSpPr>
-          <p:cNvPr id="99" name="Google Shape;99;p16"/>
+          <p:cNvPr id="100" name="Google Shape;100;p16"/>
           <p:cNvSpPr txBox="1"/>
           <p:nvPr>
             <p:ph type="title"/>
@@ -11748,7 +11906,7 @@
       </p:sp>
       <p:sp>
         <p:nvSpPr>
-          <p:cNvPr id="100" name="Google Shape;100;p16"/>
+          <p:cNvPr id="101" name="Google Shape;101;p16"/>
           <p:cNvSpPr txBox="1"/>
           <p:nvPr>
             <p:ph idx="1" type="body"/>
@@ -11979,7 +12137,7 @@
       </p:sp>
       <p:sp>
         <p:nvSpPr>
-          <p:cNvPr id="101" name="Google Shape;101;p16"/>
+          <p:cNvPr id="102" name="Google Shape;102;p16"/>
           <p:cNvSpPr txBox="1"/>
           <p:nvPr>
             <p:ph idx="11" type="ftr"/>
@@ -12034,7 +12192,7 @@
   <p:cSld>
     <p:spTree>
       <p:nvGrpSpPr>
-        <p:cNvPr id="105" name="Shape 105"/>
+        <p:cNvPr id="106" name="Shape 106"/>
         <p:cNvGrpSpPr/>
         <p:nvPr/>
       </p:nvGrpSpPr>
@@ -12048,7 +12206,7 @@
       </p:grpSpPr>
       <p:sp>
         <p:nvSpPr>
-          <p:cNvPr id="106" name="Google Shape;106;p17"/>
+          <p:cNvPr id="107" name="Google Shape;107;p17"/>
           <p:cNvSpPr txBox="1"/>
           <p:nvPr>
             <p:ph type="title"/>
@@ -12100,7 +12258,7 @@
       </p:sp>
       <p:sp>
         <p:nvSpPr>
-          <p:cNvPr id="107" name="Google Shape;107;p17"/>
+          <p:cNvPr id="108" name="Google Shape;108;p17"/>
           <p:cNvSpPr txBox="1"/>
           <p:nvPr>
             <p:ph idx="1" type="body"/>
@@ -12225,26 +12383,6 @@
             <a:endParaRPr/>
           </a:p>
           <a:p>
-            <a:pPr indent="-342900" lvl="1" marL="914400" rtl="0" algn="l">
-              <a:lnSpc>
-                <a:spcPct val="115000"/>
-              </a:lnSpc>
-              <a:spcBef>
-                <a:spcPts val="0"/>
-              </a:spcBef>
-              <a:spcAft>
-                <a:spcPts val="0"/>
-              </a:spcAft>
-              <a:buSzPts val="1800"/>
-              <a:buChar char="•"/>
-            </a:pPr>
-            <a:r>
-              <a:rPr lang="en-US"/>
-              <a:t>App Service</a:t>
-            </a:r>
-            <a:endParaRPr/>
-          </a:p>
-          <a:p>
             <a:pPr indent="-342900" lvl="0" marL="457200" rtl="0" algn="l">
               <a:lnSpc>
                 <a:spcPct val="115000"/>
@@ -12278,7 +12416,7 @@
       </p:sp>
       <p:sp>
         <p:nvSpPr>
-          <p:cNvPr id="108" name="Google Shape;108;p17"/>
+          <p:cNvPr id="109" name="Google Shape;109;p17"/>
           <p:cNvSpPr txBox="1"/>
           <p:nvPr>
             <p:ph idx="11" type="ftr"/>
@@ -12333,7 +12471,7 @@
   <p:cSld>
     <p:spTree>
       <p:nvGrpSpPr>
-        <p:cNvPr id="112" name="Shape 112"/>
+        <p:cNvPr id="113" name="Shape 113"/>
         <p:cNvGrpSpPr/>
         <p:nvPr/>
       </p:nvGrpSpPr>
@@ -12347,7 +12485,7 @@
       </p:grpSpPr>
       <p:sp>
         <p:nvSpPr>
-          <p:cNvPr id="113" name="Google Shape;113;p18"/>
+          <p:cNvPr id="114" name="Google Shape;114;p18"/>
           <p:cNvSpPr txBox="1"/>
           <p:nvPr>
             <p:ph type="title"/>
@@ -12399,7 +12537,7 @@
       </p:sp>
       <p:sp>
         <p:nvSpPr>
-          <p:cNvPr id="114" name="Google Shape;114;p18"/>
+          <p:cNvPr id="115" name="Google Shape;115;p18"/>
           <p:cNvSpPr txBox="1"/>
           <p:nvPr>
             <p:ph idx="1" type="body"/>
@@ -12651,31 +12789,16 @@
               </a:rPr>
               <a:t>https://learn.microsoft.com/en-us/azure/azure-functions/functions-scale#overview-of-plans</a:t>
             </a:r>
-            <a:endParaRPr sz="1400"/>
-          </a:p>
-          <a:p>
-            <a:pPr indent="0" lvl="0" marL="0" rtl="0" algn="l">
-              <a:lnSpc>
-                <a:spcPct val="115000"/>
-              </a:lnSpc>
-              <a:spcBef>
-                <a:spcPts val="0"/>
-              </a:spcBef>
-              <a:spcAft>
-                <a:spcPts val="0"/>
-              </a:spcAft>
-              <a:buNone/>
-            </a:pPr>
-            <a:r>
-              <a:t/>
-            </a:r>
+            <a:br>
+              <a:rPr lang="en-US" sz="1400"/>
+            </a:br>
             <a:endParaRPr sz="1400"/>
           </a:p>
         </p:txBody>
       </p:sp>
       <p:sp>
         <p:nvSpPr>
-          <p:cNvPr id="115" name="Google Shape;115;p18"/>
+          <p:cNvPr id="116" name="Google Shape;116;p18"/>
           <p:cNvSpPr txBox="1"/>
           <p:nvPr>
             <p:ph idx="11" type="ftr"/>
@@ -12730,7 +12853,7 @@
   <p:cSld>
     <p:spTree>
       <p:nvGrpSpPr>
-        <p:cNvPr id="120" name="Shape 120"/>
+        <p:cNvPr id="121" name="Shape 121"/>
         <p:cNvGrpSpPr/>
         <p:nvPr/>
       </p:nvGrpSpPr>
@@ -12744,7 +12867,7 @@
       </p:grpSpPr>
       <p:sp>
         <p:nvSpPr>
-          <p:cNvPr id="121" name="Google Shape;121;p19"/>
+          <p:cNvPr id="122" name="Google Shape;122;p19"/>
           <p:cNvSpPr txBox="1"/>
           <p:nvPr>
             <p:ph type="title"/>
@@ -12796,7 +12919,7 @@
       </p:sp>
       <p:sp>
         <p:nvSpPr>
-          <p:cNvPr id="122" name="Google Shape;122;p19"/>
+          <p:cNvPr id="123" name="Google Shape;123;p19"/>
           <p:cNvSpPr txBox="1"/>
           <p:nvPr>
             <p:ph idx="1" type="body"/>
@@ -12847,7 +12970,7 @@
       </p:sp>
       <p:sp>
         <p:nvSpPr>
-          <p:cNvPr id="123" name="Google Shape;123;p19"/>
+          <p:cNvPr id="124" name="Google Shape;124;p19"/>
           <p:cNvSpPr txBox="1"/>
           <p:nvPr>
             <p:ph idx="11" type="ftr"/>
